--- a/PPT/functions.pptx
+++ b/PPT/functions.pptx
@@ -5,7 +5,7 @@
     <p:sldMasterId id="2147483660" r:id="rId1"/>
   </p:sldMasterIdLst>
   <p:notesMasterIdLst>
-    <p:notesMasterId r:id="rId12"/>
+    <p:notesMasterId r:id="rId13"/>
   </p:notesMasterIdLst>
   <p:sldIdLst>
     <p:sldId id="256" r:id="rId2"/>
@@ -15,9 +15,10 @@
     <p:sldId id="262" r:id="rId6"/>
     <p:sldId id="263" r:id="rId7"/>
     <p:sldId id="265" r:id="rId8"/>
-    <p:sldId id="264" r:id="rId9"/>
-    <p:sldId id="267" r:id="rId10"/>
-    <p:sldId id="268" r:id="rId11"/>
+    <p:sldId id="269" r:id="rId9"/>
+    <p:sldId id="264" r:id="rId10"/>
+    <p:sldId id="267" r:id="rId11"/>
+    <p:sldId id="268" r:id="rId12"/>
   </p:sldIdLst>
   <p:sldSz cx="9144000" cy="6858000" type="screen4x3"/>
   <p:notesSz cx="6858000" cy="9144000"/>
@@ -201,7 +202,7 @@
           <a:p>
             <a:fld id="{C1B8E64C-0EDD-4C93-95A2-E8C52A5645D1}" type="datetimeFigureOut">
               <a:rPr lang="en-US" smtClean="0"/>
-              <a:t>07-Nov-20</a:t>
+              <a:t>11-Nov-20</a:t>
             </a:fld>
             <a:endParaRPr lang="en-US"/>
           </a:p>
@@ -581,7 +582,7 @@
             <a:fld id="{1D8BD707-D9CF-40AE-B4C6-C98DA3205C09}" type="datetimeFigureOut">
               <a:rPr lang="en-US" smtClean="0"/>
               <a:pPr/>
-              <a:t>07-Nov-20</a:t>
+              <a:t>11-Nov-20</a:t>
             </a:fld>
             <a:endParaRPr lang="en-US"/>
           </a:p>
@@ -809,7 +810,7 @@
             <a:fld id="{1D8BD707-D9CF-40AE-B4C6-C98DA3205C09}" type="datetimeFigureOut">
               <a:rPr lang="en-US" smtClean="0"/>
               <a:pPr/>
-              <a:t>07-Nov-20</a:t>
+              <a:t>11-Nov-20</a:t>
             </a:fld>
             <a:endParaRPr lang="en-US"/>
           </a:p>
@@ -986,7 +987,7 @@
             <a:fld id="{1D8BD707-D9CF-40AE-B4C6-C98DA3205C09}" type="datetimeFigureOut">
               <a:rPr lang="en-US" smtClean="0"/>
               <a:pPr/>
-              <a:t>07-Nov-20</a:t>
+              <a:t>11-Nov-20</a:t>
             </a:fld>
             <a:endParaRPr lang="en-US"/>
           </a:p>
@@ -1153,7 +1154,7 @@
             <a:fld id="{1D8BD707-D9CF-40AE-B4C6-C98DA3205C09}" type="datetimeFigureOut">
               <a:rPr lang="en-US" smtClean="0"/>
               <a:pPr/>
-              <a:t>07-Nov-20</a:t>
+              <a:t>11-Nov-20</a:t>
             </a:fld>
             <a:endParaRPr lang="en-US"/>
           </a:p>
@@ -1399,7 +1400,7 @@
             <a:fld id="{1D8BD707-D9CF-40AE-B4C6-C98DA3205C09}" type="datetimeFigureOut">
               <a:rPr lang="en-US" smtClean="0"/>
               <a:pPr/>
-              <a:t>07-Nov-20</a:t>
+              <a:t>11-Nov-20</a:t>
             </a:fld>
             <a:endParaRPr lang="en-US"/>
           </a:p>
@@ -1665,7 +1666,7 @@
             <a:fld id="{1D8BD707-D9CF-40AE-B4C6-C98DA3205C09}" type="datetimeFigureOut">
               <a:rPr lang="en-US" smtClean="0"/>
               <a:pPr/>
-              <a:t>07-Nov-20</a:t>
+              <a:t>11-Nov-20</a:t>
             </a:fld>
             <a:endParaRPr lang="en-US"/>
           </a:p>
@@ -2041,7 +2042,7 @@
             <a:fld id="{1D8BD707-D9CF-40AE-B4C6-C98DA3205C09}" type="datetimeFigureOut">
               <a:rPr lang="en-US" smtClean="0"/>
               <a:pPr/>
-              <a:t>07-Nov-20</a:t>
+              <a:t>11-Nov-20</a:t>
             </a:fld>
             <a:endParaRPr lang="en-US"/>
           </a:p>
@@ -2156,7 +2157,7 @@
             <a:fld id="{1D8BD707-D9CF-40AE-B4C6-C98DA3205C09}" type="datetimeFigureOut">
               <a:rPr lang="en-US" smtClean="0"/>
               <a:pPr/>
-              <a:t>07-Nov-20</a:t>
+              <a:t>11-Nov-20</a:t>
             </a:fld>
             <a:endParaRPr lang="en-US"/>
           </a:p>
@@ -2248,7 +2249,7 @@
             <a:fld id="{1D8BD707-D9CF-40AE-B4C6-C98DA3205C09}" type="datetimeFigureOut">
               <a:rPr lang="en-US" smtClean="0"/>
               <a:pPr/>
-              <a:t>07-Nov-20</a:t>
+              <a:t>11-Nov-20</a:t>
             </a:fld>
             <a:endParaRPr lang="en-US"/>
           </a:p>
@@ -2508,7 +2509,7 @@
             <a:fld id="{1D8BD707-D9CF-40AE-B4C6-C98DA3205C09}" type="datetimeFigureOut">
               <a:rPr lang="en-US" smtClean="0"/>
               <a:pPr/>
-              <a:t>07-Nov-20</a:t>
+              <a:t>11-Nov-20</a:t>
             </a:fld>
             <a:endParaRPr lang="en-US"/>
           </a:p>
@@ -2774,7 +2775,7 @@
             <a:fld id="{1D8BD707-D9CF-40AE-B4C6-C98DA3205C09}" type="datetimeFigureOut">
               <a:rPr lang="en-US" smtClean="0"/>
               <a:pPr/>
-              <a:t>07-Nov-20</a:t>
+              <a:t>11-Nov-20</a:t>
             </a:fld>
             <a:endParaRPr lang="en-US"/>
           </a:p>
@@ -2993,7 +2994,7 @@
             <a:fld id="{1D8BD707-D9CF-40AE-B4C6-C98DA3205C09}" type="datetimeFigureOut">
               <a:rPr lang="en-US" smtClean="0"/>
               <a:pPr/>
-              <a:t>07-Nov-20</a:t>
+              <a:t>11-Nov-20</a:t>
             </a:fld>
             <a:endParaRPr lang="en-US"/>
           </a:p>
@@ -3496,6 +3497,266 @@
         </p:nvSpPr>
         <p:spPr/>
         <p:txBody>
+          <a:bodyPr>
+            <a:normAutofit/>
+          </a:bodyPr>
+          <a:lstStyle/>
+          <a:p>
+            <a:r>
+              <a:rPr lang="en-US" dirty="0" smtClean="0"/>
+              <a:t>call by reference</a:t>
+            </a:r>
+            <a:endParaRPr lang="en-US" dirty="0"/>
+          </a:p>
+        </p:txBody>
+      </p:sp>
+      <p:sp>
+        <p:nvSpPr>
+          <p:cNvPr id="3" name="Content Placeholder 2"/>
+          <p:cNvSpPr>
+            <a:spLocks noGrp="1"/>
+          </p:cNvSpPr>
+          <p:nvPr>
+            <p:ph idx="1"/>
+          </p:nvPr>
+        </p:nvSpPr>
+        <p:spPr/>
+        <p:txBody>
+          <a:bodyPr>
+            <a:normAutofit fontScale="85000" lnSpcReduction="20000"/>
+          </a:bodyPr>
+          <a:lstStyle/>
+          <a:p>
+            <a:pPr marL="137160" indent="0">
+              <a:buNone/>
+            </a:pPr>
+            <a:r>
+              <a:rPr lang="en-US" dirty="0" err="1" smtClean="0"/>
+              <a:t>int</a:t>
+            </a:r>
+            <a:r>
+              <a:rPr lang="en-US" dirty="0" smtClean="0"/>
+              <a:t> </a:t>
+            </a:r>
+            <a:r>
+              <a:rPr lang="en-US" dirty="0" err="1" smtClean="0"/>
+              <a:t>msg</a:t>
+            </a:r>
+            <a:r>
+              <a:rPr lang="en-US" dirty="0" smtClean="0"/>
+              <a:t>(</a:t>
+            </a:r>
+            <a:r>
+              <a:rPr lang="en-US" dirty="0" err="1" smtClean="0"/>
+              <a:t>int</a:t>
+            </a:r>
+            <a:r>
+              <a:rPr lang="en-US" dirty="0" smtClean="0"/>
+              <a:t>*);  </a:t>
+            </a:r>
+          </a:p>
+          <a:p>
+            <a:pPr marL="137160" indent="0">
+              <a:buNone/>
+            </a:pPr>
+            <a:endParaRPr lang="en-US" dirty="0"/>
+          </a:p>
+          <a:p>
+            <a:pPr marL="137160" indent="0">
+              <a:buNone/>
+            </a:pPr>
+            <a:r>
+              <a:rPr lang="en-US" dirty="0"/>
+              <a:t>Void main() </a:t>
+            </a:r>
+            <a:endParaRPr lang="en-US" dirty="0" smtClean="0"/>
+          </a:p>
+          <a:p>
+            <a:pPr marL="137160" indent="0">
+              <a:buNone/>
+            </a:pPr>
+            <a:r>
+              <a:rPr lang="en-US" dirty="0" smtClean="0"/>
+              <a:t>{</a:t>
+            </a:r>
+          </a:p>
+          <a:p>
+            <a:pPr marL="137160" indent="0">
+              <a:buNone/>
+            </a:pPr>
+            <a:r>
+              <a:rPr lang="en-US" dirty="0"/>
+              <a:t>	</a:t>
+            </a:r>
+            <a:r>
+              <a:rPr lang="en-US" dirty="0" err="1" smtClean="0"/>
+              <a:t>int</a:t>
+            </a:r>
+            <a:r>
+              <a:rPr lang="en-US" dirty="0" smtClean="0"/>
+              <a:t> b=1</a:t>
+            </a:r>
+            <a:endParaRPr lang="en-US" dirty="0"/>
+          </a:p>
+          <a:p>
+            <a:pPr marL="137160" indent="0">
+              <a:buNone/>
+            </a:pPr>
+            <a:r>
+              <a:rPr lang="en-US" dirty="0"/>
+              <a:t>	</a:t>
+            </a:r>
+            <a:r>
+              <a:rPr lang="en-US" dirty="0" err="1" smtClean="0"/>
+              <a:t>msg</a:t>
+            </a:r>
+            <a:r>
+              <a:rPr lang="en-US" dirty="0" smtClean="0"/>
+              <a:t>(&amp;b);</a:t>
+            </a:r>
+          </a:p>
+          <a:p>
+            <a:pPr marL="137160" indent="0">
+              <a:buNone/>
+            </a:pPr>
+            <a:r>
+              <a:rPr lang="en-US" dirty="0"/>
+              <a:t>	</a:t>
+            </a:r>
+            <a:r>
+              <a:rPr lang="en-US" dirty="0" err="1" smtClean="0"/>
+              <a:t>pf</a:t>
+            </a:r>
+            <a:r>
+              <a:rPr lang="en-US" dirty="0" smtClean="0"/>
+              <a:t>(b);</a:t>
+            </a:r>
+          </a:p>
+          <a:p>
+            <a:pPr marL="137160" indent="0">
+              <a:buNone/>
+            </a:pPr>
+            <a:r>
+              <a:rPr lang="en-US" dirty="0" smtClean="0"/>
+              <a:t>}</a:t>
+            </a:r>
+            <a:endParaRPr lang="en-US" dirty="0"/>
+          </a:p>
+          <a:p>
+            <a:pPr marL="137160" indent="0">
+              <a:buNone/>
+            </a:pPr>
+            <a:endParaRPr lang="en-US" dirty="0"/>
+          </a:p>
+          <a:p>
+            <a:pPr marL="137160" indent="0">
+              <a:buNone/>
+            </a:pPr>
+            <a:r>
+              <a:rPr lang="en-US" dirty="0" err="1" smtClean="0"/>
+              <a:t>Int</a:t>
+            </a:r>
+            <a:r>
+              <a:rPr lang="en-US" dirty="0" smtClean="0"/>
+              <a:t> </a:t>
+            </a:r>
+            <a:r>
+              <a:rPr lang="en-US" dirty="0" err="1" smtClean="0"/>
+              <a:t>msg</a:t>
+            </a:r>
+            <a:r>
+              <a:rPr lang="en-US" dirty="0" smtClean="0"/>
+              <a:t>(</a:t>
+            </a:r>
+            <a:r>
+              <a:rPr lang="en-US" dirty="0" err="1" smtClean="0"/>
+              <a:t>int</a:t>
+            </a:r>
+            <a:r>
+              <a:rPr lang="en-US" dirty="0" smtClean="0"/>
+              <a:t> *a) {</a:t>
+            </a:r>
+            <a:endParaRPr lang="en-US" dirty="0"/>
+          </a:p>
+          <a:p>
+            <a:pPr marL="585216" lvl="1" indent="0">
+              <a:buNone/>
+            </a:pPr>
+            <a:r>
+              <a:rPr lang="en-US" dirty="0"/>
+              <a:t>*</a:t>
+            </a:r>
+            <a:r>
+              <a:rPr lang="en-US" dirty="0" smtClean="0"/>
+              <a:t>a=10</a:t>
+            </a:r>
+          </a:p>
+          <a:p>
+            <a:pPr marL="585216" lvl="1" indent="0">
+              <a:buNone/>
+            </a:pPr>
+            <a:r>
+              <a:rPr lang="en-US" dirty="0" smtClean="0"/>
+              <a:t>Return a;</a:t>
+            </a:r>
+            <a:endParaRPr lang="en-US" dirty="0"/>
+          </a:p>
+          <a:p>
+            <a:pPr marL="137160" indent="0">
+              <a:buNone/>
+            </a:pPr>
+            <a:r>
+              <a:rPr lang="en-US" dirty="0"/>
+              <a:t>}</a:t>
+            </a:r>
+          </a:p>
+          <a:p>
+            <a:endParaRPr lang="en-US" dirty="0"/>
+          </a:p>
+        </p:txBody>
+      </p:sp>
+    </p:spTree>
+    <p:extLst>
+      <p:ext uri="{BB962C8B-B14F-4D97-AF65-F5344CB8AC3E}">
+        <p14:creationId xmlns:p14="http://schemas.microsoft.com/office/powerpoint/2010/main" val="1944136082"/>
+      </p:ext>
+    </p:extLst>
+  </p:cSld>
+  <p:clrMapOvr>
+    <a:masterClrMapping/>
+  </p:clrMapOvr>
+</p:sld>
+</file>
+
+<file path=ppt/slides/slide11.xml><?xml version="1.0" encoding="utf-8"?>
+<p:sld xmlns:a="http://schemas.openxmlformats.org/drawingml/2006/main" xmlns:r="http://schemas.openxmlformats.org/officeDocument/2006/relationships" xmlns:p="http://schemas.openxmlformats.org/presentationml/2006/main">
+  <p:cSld>
+    <p:spTree>
+      <p:nvGrpSpPr>
+        <p:cNvPr id="1" name=""/>
+        <p:cNvGrpSpPr/>
+        <p:nvPr/>
+      </p:nvGrpSpPr>
+      <p:grpSpPr>
+        <a:xfrm>
+          <a:off x="0" y="0"/>
+          <a:ext cx="0" cy="0"/>
+          <a:chOff x="0" y="0"/>
+          <a:chExt cx="0" cy="0"/>
+        </a:xfrm>
+      </p:grpSpPr>
+      <p:sp>
+        <p:nvSpPr>
+          <p:cNvPr id="2" name="Title 1"/>
+          <p:cNvSpPr>
+            <a:spLocks noGrp="1"/>
+          </p:cNvSpPr>
+          <p:nvPr>
+            <p:ph type="title"/>
+          </p:nvPr>
+        </p:nvSpPr>
+        <p:spPr/>
+        <p:txBody>
           <a:bodyPr/>
           <a:lstStyle/>
           <a:p>
@@ -3700,7 +3961,6 @@
               <a:rPr lang="en-US" dirty="0"/>
               <a:t>}</a:t>
             </a:r>
-            <a:endParaRPr lang="en-US" dirty="0"/>
           </a:p>
         </p:txBody>
       </p:sp>
@@ -4555,224 +4815,80 @@
         </p:nvSpPr>
         <p:spPr/>
         <p:txBody>
-          <a:bodyPr>
-            <a:normAutofit fontScale="90000"/>
+          <a:bodyPr/>
+          <a:lstStyle/>
+          <a:p>
+            <a:r>
+              <a:rPr lang="en-US" dirty="0" smtClean="0"/>
+              <a:t>Inline function</a:t>
+            </a:r>
+            <a:endParaRPr lang="en-US" dirty="0"/>
+          </a:p>
+        </p:txBody>
+      </p:sp>
+      <p:pic>
+        <p:nvPicPr>
+          <p:cNvPr id="4" name="Content Placeholder 3"/>
+          <p:cNvPicPr>
+            <a:picLocks noGrp="1" noChangeAspect="1"/>
+          </p:cNvPicPr>
+          <p:nvPr>
+            <p:ph idx="1"/>
+          </p:nvPr>
+        </p:nvPicPr>
+        <p:blipFill>
+          <a:blip r:embed="rId2">
+            <a:extLst>
+              <a:ext uri="{28A0092B-C50C-407E-A947-70E740481C1C}">
+                <a14:useLocalDpi xmlns:a14="http://schemas.microsoft.com/office/drawing/2010/main" val="0"/>
+              </a:ext>
+            </a:extLst>
+          </a:blip>
+          <a:stretch>
+            <a:fillRect/>
+          </a:stretch>
+        </p:blipFill>
+        <p:spPr>
+          <a:xfrm>
+            <a:off x="457200" y="2228850"/>
+            <a:ext cx="8229600" cy="4629150"/>
+          </a:xfrm>
+        </p:spPr>
+      </p:pic>
+      <p:sp>
+        <p:nvSpPr>
+          <p:cNvPr id="5" name="TextBox 4"/>
+          <p:cNvSpPr txBox="1"/>
+          <p:nvPr/>
+        </p:nvSpPr>
+        <p:spPr>
+          <a:xfrm>
+            <a:off x="609600" y="1364120"/>
+            <a:ext cx="7848600" cy="646331"/>
+          </a:xfrm>
+          <a:prstGeom prst="rect">
+            <a:avLst/>
+          </a:prstGeom>
+          <a:noFill/>
+        </p:spPr>
+        <p:txBody>
+          <a:bodyPr wrap="square" rtlCol="0">
+            <a:spAutoFit/>
           </a:bodyPr>
           <a:lstStyle/>
           <a:p>
             <a:r>
               <a:rPr lang="en-US" dirty="0" smtClean="0"/>
-              <a:t>Call by value </a:t>
-            </a:r>
-            <a:r>
-              <a:rPr lang="en-US" dirty="0" err="1" smtClean="0"/>
-              <a:t>vs</a:t>
-            </a:r>
-            <a:r>
-              <a:rPr lang="en-US" dirty="0" smtClean="0"/>
-              <a:t> call by reference</a:t>
-            </a:r>
-            <a:endParaRPr lang="en-US" dirty="0"/>
-          </a:p>
-        </p:txBody>
-      </p:sp>
-      <p:sp>
-        <p:nvSpPr>
-          <p:cNvPr id="3" name="Content Placeholder 2"/>
-          <p:cNvSpPr>
-            <a:spLocks noGrp="1"/>
-          </p:cNvSpPr>
-          <p:nvPr>
-            <p:ph idx="1"/>
-          </p:nvPr>
-        </p:nvSpPr>
-        <p:spPr/>
-        <p:txBody>
-          <a:bodyPr>
-            <a:normAutofit fontScale="85000" lnSpcReduction="20000"/>
-          </a:bodyPr>
-          <a:lstStyle/>
-          <a:p>
-            <a:pPr marL="137160" indent="0">
-              <a:buNone/>
-            </a:pPr>
-            <a:r>
-              <a:rPr lang="en-US" dirty="0" err="1" smtClean="0"/>
-              <a:t>int</a:t>
-            </a:r>
-            <a:r>
-              <a:rPr lang="en-US" dirty="0" smtClean="0"/>
-              <a:t> </a:t>
-            </a:r>
-            <a:r>
-              <a:rPr lang="en-US" dirty="0" err="1" smtClean="0"/>
-              <a:t>msg</a:t>
-            </a:r>
-            <a:r>
-              <a:rPr lang="en-US" dirty="0" smtClean="0"/>
-              <a:t>(</a:t>
-            </a:r>
-            <a:r>
-              <a:rPr lang="en-US" dirty="0" err="1" smtClean="0"/>
-              <a:t>int</a:t>
-            </a:r>
-            <a:r>
-              <a:rPr lang="en-US" dirty="0" smtClean="0"/>
-              <a:t>);  </a:t>
-            </a:r>
-          </a:p>
-          <a:p>
-            <a:pPr marL="137160" indent="0">
-              <a:buNone/>
-            </a:pPr>
-            <a:endParaRPr lang="en-US" dirty="0"/>
-          </a:p>
-          <a:p>
-            <a:pPr marL="137160" indent="0">
-              <a:buNone/>
-            </a:pPr>
-            <a:r>
-              <a:rPr lang="en-US" dirty="0"/>
-              <a:t>Void main() </a:t>
-            </a:r>
-            <a:endParaRPr lang="en-US" dirty="0" smtClean="0"/>
-          </a:p>
-          <a:p>
-            <a:pPr marL="137160" indent="0">
-              <a:buNone/>
-            </a:pPr>
-            <a:r>
-              <a:rPr lang="en-US" dirty="0" smtClean="0"/>
-              <a:t>{</a:t>
-            </a:r>
-          </a:p>
-          <a:p>
-            <a:pPr marL="137160" indent="0">
-              <a:buNone/>
-            </a:pPr>
-            <a:r>
-              <a:rPr lang="en-US" dirty="0"/>
-              <a:t>	</a:t>
-            </a:r>
-            <a:r>
-              <a:rPr lang="en-US" dirty="0" err="1" smtClean="0"/>
-              <a:t>int</a:t>
-            </a:r>
-            <a:r>
-              <a:rPr lang="en-US" dirty="0" smtClean="0"/>
-              <a:t> b=1</a:t>
-            </a:r>
-            <a:endParaRPr lang="en-US" dirty="0"/>
-          </a:p>
-          <a:p>
-            <a:pPr marL="137160" indent="0">
-              <a:buNone/>
-            </a:pPr>
-            <a:r>
-              <a:rPr lang="en-US" dirty="0"/>
-              <a:t>	</a:t>
-            </a:r>
-            <a:r>
-              <a:rPr lang="en-US" dirty="0" err="1" smtClean="0"/>
-              <a:t>msg</a:t>
-            </a:r>
-            <a:r>
-              <a:rPr lang="en-US" dirty="0" smtClean="0"/>
-              <a:t>(b);</a:t>
-            </a:r>
-          </a:p>
-          <a:p>
-            <a:pPr marL="137160" indent="0">
-              <a:buNone/>
-            </a:pPr>
-            <a:r>
-              <a:rPr lang="en-US" dirty="0"/>
-              <a:t>	</a:t>
-            </a:r>
-            <a:r>
-              <a:rPr lang="en-US" dirty="0" err="1" smtClean="0"/>
-              <a:t>pf</a:t>
-            </a:r>
-            <a:r>
-              <a:rPr lang="en-US" dirty="0" smtClean="0"/>
-              <a:t>(b);</a:t>
-            </a:r>
-          </a:p>
-          <a:p>
-            <a:pPr marL="137160" indent="0">
-              <a:buNone/>
-            </a:pPr>
-            <a:r>
-              <a:rPr lang="en-US" dirty="0" smtClean="0"/>
-              <a:t>}</a:t>
-            </a:r>
-            <a:endParaRPr lang="en-US" dirty="0"/>
-          </a:p>
-          <a:p>
-            <a:pPr marL="137160" indent="0">
-              <a:buNone/>
-            </a:pPr>
-            <a:endParaRPr lang="en-US" dirty="0"/>
-          </a:p>
-          <a:p>
-            <a:pPr marL="137160" indent="0">
-              <a:buNone/>
-            </a:pPr>
-            <a:r>
-              <a:rPr lang="en-US" dirty="0" err="1" smtClean="0"/>
-              <a:t>Int</a:t>
-            </a:r>
-            <a:r>
-              <a:rPr lang="en-US" dirty="0" smtClean="0"/>
-              <a:t> </a:t>
-            </a:r>
-            <a:r>
-              <a:rPr lang="en-US" dirty="0" err="1" smtClean="0"/>
-              <a:t>msg</a:t>
-            </a:r>
-            <a:r>
-              <a:rPr lang="en-US" dirty="0" smtClean="0"/>
-              <a:t>(</a:t>
-            </a:r>
-            <a:r>
-              <a:rPr lang="en-US" dirty="0" err="1" smtClean="0"/>
-              <a:t>int</a:t>
-            </a:r>
-            <a:r>
-              <a:rPr lang="en-US" dirty="0" smtClean="0"/>
-              <a:t> a) {</a:t>
-            </a:r>
-            <a:endParaRPr lang="en-US" dirty="0"/>
-          </a:p>
-          <a:p>
-            <a:pPr marL="585216" lvl="1" indent="0">
-              <a:buNone/>
-            </a:pPr>
-            <a:r>
-              <a:rPr lang="en-US" dirty="0" smtClean="0"/>
-              <a:t>a=10</a:t>
-            </a:r>
-          </a:p>
-          <a:p>
-            <a:pPr marL="585216" lvl="1" indent="0">
-              <a:buNone/>
-            </a:pPr>
-            <a:r>
-              <a:rPr lang="en-US" dirty="0" smtClean="0"/>
-              <a:t>Return a;</a:t>
-            </a:r>
-            <a:endParaRPr lang="en-US" dirty="0"/>
-          </a:p>
-          <a:p>
-            <a:pPr marL="137160" indent="0">
-              <a:buNone/>
-            </a:pPr>
-            <a:r>
-              <a:rPr lang="en-US" dirty="0"/>
-              <a:t>}</a:t>
-            </a:r>
-          </a:p>
-          <a:p>
+              <a:t>Inline function is </a:t>
+            </a:r>
+            <a:r>
+              <a:rPr lang="en-US" smtClean="0"/>
+              <a:t>a  function used </a:t>
+            </a:r>
+            <a:r>
+              <a:rPr lang="en-US" dirty="0" smtClean="0"/>
+              <a:t>to make complier execution fast by replace function contents using inline keyword</a:t>
+            </a:r>
             <a:endParaRPr lang="en-US" dirty="0"/>
           </a:p>
         </p:txBody>
@@ -4780,7 +4896,7 @@
     </p:spTree>
     <p:extLst>
       <p:ext uri="{BB962C8B-B14F-4D97-AF65-F5344CB8AC3E}">
-        <p14:creationId xmlns:p14="http://schemas.microsoft.com/office/powerpoint/2010/main" val="3357232843"/>
+        <p14:creationId xmlns:p14="http://schemas.microsoft.com/office/powerpoint/2010/main" val="2818056040"/>
       </p:ext>
     </p:extLst>
   </p:cSld>
@@ -4820,13 +4936,21 @@
         <p:spPr/>
         <p:txBody>
           <a:bodyPr>
-            <a:normAutofit/>
+            <a:normAutofit fontScale="90000"/>
           </a:bodyPr>
           <a:lstStyle/>
           <a:p>
             <a:r>
               <a:rPr lang="en-US" dirty="0" smtClean="0"/>
-              <a:t>call by reference</a:t>
+              <a:t>Call by value </a:t>
+            </a:r>
+            <a:r>
+              <a:rPr lang="en-US" dirty="0" err="1" smtClean="0"/>
+              <a:t>vs</a:t>
+            </a:r>
+            <a:r>
+              <a:rPr lang="en-US" dirty="0" smtClean="0"/>
+              <a:t> call by reference</a:t>
             </a:r>
             <a:endParaRPr lang="en-US" dirty="0"/>
           </a:p>
@@ -4874,7 +4998,7 @@
             </a:r>
             <a:r>
               <a:rPr lang="en-US" dirty="0" smtClean="0"/>
-              <a:t>*);  </a:t>
+              <a:t>);  </a:t>
             </a:r>
           </a:p>
           <a:p>
@@ -4934,7 +5058,7 @@
             </a:r>
             <a:r>
               <a:rPr lang="en-US" dirty="0" smtClean="0"/>
-              <a:t>(&amp;b);</a:t>
+              <a:t>(b);</a:t>
             </a:r>
           </a:p>
           <a:p>
@@ -4996,7 +5120,7 @@
             </a:r>
             <a:r>
               <a:rPr lang="en-US" dirty="0" smtClean="0"/>
-              <a:t> *a) {</a:t>
+              <a:t> a) {</a:t>
             </a:r>
             <a:endParaRPr lang="en-US" dirty="0"/>
           </a:p>
@@ -5004,10 +5128,6 @@
             <a:pPr marL="585216" lvl="1" indent="0">
               <a:buNone/>
             </a:pPr>
-            <a:r>
-              <a:rPr lang="en-US" dirty="0"/>
-              <a:t>*</a:t>
-            </a:r>
             <a:r>
               <a:rPr lang="en-US" dirty="0" smtClean="0"/>
               <a:t>a=10</a:t>
@@ -5040,7 +5160,7 @@
     </p:spTree>
     <p:extLst>
       <p:ext uri="{BB962C8B-B14F-4D97-AF65-F5344CB8AC3E}">
-        <p14:creationId xmlns:p14="http://schemas.microsoft.com/office/powerpoint/2010/main" val="1944136082"/>
+        <p14:creationId xmlns:p14="http://schemas.microsoft.com/office/powerpoint/2010/main" val="3357232843"/>
       </p:ext>
     </p:extLst>
   </p:cSld>
